--- a/Daily Agendas/Day05.4 - ClassificationOfMatter.pptx
+++ b/Daily Agendas/Day05.4 - ClassificationOfMatter.pptx
@@ -6,6 +6,7 @@
   </p:sldMasterIdLst>
   <p:sldIdLst>
     <p:sldId id="257" r:id="rId2"/>
+    <p:sldId id="258" r:id="rId3"/>
   </p:sldIdLst>
   <p:sldSz cx="9144000" cy="6858000" type="screen4x3"/>
   <p:notesSz cx="6858000" cy="9144000"/>
@@ -243,7 +244,7 @@
           <a:p>
             <a:fld id="{69DBCF37-83FE-4516-BE5A-9F53FA57CCFA}" type="datetimeFigureOut">
               <a:rPr lang="en-US" smtClean="0"/>
-              <a:t>3/4/2020</a:t>
+              <a:t>3/5/2020</a:t>
             </a:fld>
             <a:endParaRPr lang="en-US"/>
           </a:p>
@@ -413,7 +414,7 @@
           <a:p>
             <a:fld id="{69DBCF37-83FE-4516-BE5A-9F53FA57CCFA}" type="datetimeFigureOut">
               <a:rPr lang="en-US" smtClean="0"/>
-              <a:t>3/4/2020</a:t>
+              <a:t>3/5/2020</a:t>
             </a:fld>
             <a:endParaRPr lang="en-US"/>
           </a:p>
@@ -593,7 +594,7 @@
           <a:p>
             <a:fld id="{69DBCF37-83FE-4516-BE5A-9F53FA57CCFA}" type="datetimeFigureOut">
               <a:rPr lang="en-US" smtClean="0"/>
-              <a:t>3/4/2020</a:t>
+              <a:t>3/5/2020</a:t>
             </a:fld>
             <a:endParaRPr lang="en-US"/>
           </a:p>
@@ -763,7 +764,7 @@
           <a:p>
             <a:fld id="{69DBCF37-83FE-4516-BE5A-9F53FA57CCFA}" type="datetimeFigureOut">
               <a:rPr lang="en-US" smtClean="0"/>
-              <a:t>3/4/2020</a:t>
+              <a:t>3/5/2020</a:t>
             </a:fld>
             <a:endParaRPr lang="en-US"/>
           </a:p>
@@ -1007,7 +1008,7 @@
           <a:p>
             <a:fld id="{69DBCF37-83FE-4516-BE5A-9F53FA57CCFA}" type="datetimeFigureOut">
               <a:rPr lang="en-US" smtClean="0"/>
-              <a:t>3/4/2020</a:t>
+              <a:t>3/5/2020</a:t>
             </a:fld>
             <a:endParaRPr lang="en-US"/>
           </a:p>
@@ -1239,7 +1240,7 @@
           <a:p>
             <a:fld id="{69DBCF37-83FE-4516-BE5A-9F53FA57CCFA}" type="datetimeFigureOut">
               <a:rPr lang="en-US" smtClean="0"/>
-              <a:t>3/4/2020</a:t>
+              <a:t>3/5/2020</a:t>
             </a:fld>
             <a:endParaRPr lang="en-US"/>
           </a:p>
@@ -1606,7 +1607,7 @@
           <a:p>
             <a:fld id="{69DBCF37-83FE-4516-BE5A-9F53FA57CCFA}" type="datetimeFigureOut">
               <a:rPr lang="en-US" smtClean="0"/>
-              <a:t>3/4/2020</a:t>
+              <a:t>3/5/2020</a:t>
             </a:fld>
             <a:endParaRPr lang="en-US"/>
           </a:p>
@@ -1724,7 +1725,7 @@
           <a:p>
             <a:fld id="{69DBCF37-83FE-4516-BE5A-9F53FA57CCFA}" type="datetimeFigureOut">
               <a:rPr lang="en-US" smtClean="0"/>
-              <a:t>3/4/2020</a:t>
+              <a:t>3/5/2020</a:t>
             </a:fld>
             <a:endParaRPr lang="en-US"/>
           </a:p>
@@ -1819,7 +1820,7 @@
           <a:p>
             <a:fld id="{69DBCF37-83FE-4516-BE5A-9F53FA57CCFA}" type="datetimeFigureOut">
               <a:rPr lang="en-US" smtClean="0"/>
-              <a:t>3/4/2020</a:t>
+              <a:t>3/5/2020</a:t>
             </a:fld>
             <a:endParaRPr lang="en-US"/>
           </a:p>
@@ -2096,7 +2097,7 @@
           <a:p>
             <a:fld id="{69DBCF37-83FE-4516-BE5A-9F53FA57CCFA}" type="datetimeFigureOut">
               <a:rPr lang="en-US" smtClean="0"/>
-              <a:t>3/4/2020</a:t>
+              <a:t>3/5/2020</a:t>
             </a:fld>
             <a:endParaRPr lang="en-US"/>
           </a:p>
@@ -2353,7 +2354,7 @@
           <a:p>
             <a:fld id="{69DBCF37-83FE-4516-BE5A-9F53FA57CCFA}" type="datetimeFigureOut">
               <a:rPr lang="en-US" smtClean="0"/>
-              <a:t>3/4/2020</a:t>
+              <a:t>3/5/2020</a:t>
             </a:fld>
             <a:endParaRPr lang="en-US"/>
           </a:p>
@@ -2566,7 +2567,7 @@
           <a:p>
             <a:fld id="{69DBCF37-83FE-4516-BE5A-9F53FA57CCFA}" type="datetimeFigureOut">
               <a:rPr lang="en-US" smtClean="0"/>
-              <a:t>3/4/2020</a:t>
+              <a:t>3/5/2020</a:t>
             </a:fld>
             <a:endParaRPr lang="en-US"/>
           </a:p>
@@ -2991,15 +2992,7 @@
             <a:pPr algn="ctr"/>
             <a:r>
               <a:rPr lang="en-CA" dirty="0" smtClean="0"/>
-              <a:t>Classification of Matter – </a:t>
-            </a:r>
-            <a:r>
-              <a:rPr lang="en-CA" dirty="0" smtClean="0"/>
-              <a:t>Mar </a:t>
-            </a:r>
-            <a:r>
-              <a:rPr lang="en-CA" dirty="0" smtClean="0"/>
-              <a:t>06</a:t>
+              <a:t>Classification of Matter – Mar 06</a:t>
             </a:r>
             <a:r>
               <a:rPr lang="en-CA" dirty="0"/>
@@ -3029,7 +3022,7 @@
         <p:spPr/>
         <p:txBody>
           <a:bodyPr>
-            <a:normAutofit/>
+            <a:normAutofit fontScale="92500" lnSpcReduction="20000"/>
           </a:bodyPr>
           <a:lstStyle/>
           <a:p>
@@ -3042,9 +3035,22 @@
             <a:pPr lvl="1"/>
             <a:r>
               <a:rPr lang="en-CA" dirty="0" smtClean="0"/>
+              <a:t>Minds-On</a:t>
+            </a:r>
+          </a:p>
+          <a:p>
+            <a:pPr lvl="2"/>
+            <a:r>
+              <a:rPr lang="en-CA" dirty="0" smtClean="0"/>
+              <a:t>Activity: Separating Mixture: Beans, Sugar, Iron Filings</a:t>
+            </a:r>
+          </a:p>
+          <a:p>
+            <a:pPr lvl="1"/>
+            <a:r>
+              <a:rPr lang="en-CA" dirty="0" smtClean="0"/>
               <a:t>Classification of Matter</a:t>
             </a:r>
-            <a:endParaRPr lang="en-CA" dirty="0" smtClean="0"/>
           </a:p>
           <a:p>
             <a:pPr lvl="2"/>
@@ -3056,16 +3062,19 @@
           <a:p>
             <a:pPr lvl="2"/>
             <a:r>
+              <a:rPr lang="en-CA" sz="2400" dirty="0"/>
+              <a:t>Worksheet: Classifying Matter </a:t>
+            </a:r>
+            <a:r>
               <a:rPr lang="en-CA" sz="2400" dirty="0" smtClean="0"/>
-              <a:t>Minds-On: Bag of Air Activity</a:t>
-            </a:r>
-            <a:endParaRPr lang="en-CA" sz="2400" dirty="0" smtClean="0"/>
+              <a:t>Worksheet</a:t>
+            </a:r>
           </a:p>
           <a:p>
             <a:pPr lvl="2"/>
             <a:r>
               <a:rPr lang="en-CA" sz="2400" dirty="0" smtClean="0"/>
-              <a:t>Worksheet: Classifying Matter Worksheet</a:t>
+              <a:t>Activity: Bag of Air Activity</a:t>
             </a:r>
           </a:p>
           <a:p>
@@ -3074,7 +3083,6 @@
               <a:rPr lang="en-CA" sz="2400" dirty="0" smtClean="0"/>
               <a:t>Worksheet: Types of Matter </a:t>
             </a:r>
-            <a:endParaRPr lang="en-CA" sz="2400" dirty="0" smtClean="0"/>
           </a:p>
           <a:p>
             <a:pPr lvl="1"/>
@@ -3096,13 +3104,15 @@
             <a:pPr lvl="1"/>
             <a:r>
               <a:rPr lang="en-CA" dirty="0" smtClean="0"/>
-              <a:t>Tomorrow: </a:t>
-            </a:r>
+              <a:t>Tomorrow: SHOE #2 – Can Crush</a:t>
+            </a:r>
+          </a:p>
+          <a:p>
+            <a:pPr lvl="1"/>
             <a:r>
               <a:rPr lang="en-CA" dirty="0" smtClean="0"/>
-              <a:t>Reading the Periodic Table</a:t>
-            </a:r>
-            <a:endParaRPr lang="en-CA" dirty="0" smtClean="0"/>
+              <a:t>Tomorrow: Reading the Periodic Table</a:t>
+            </a:r>
           </a:p>
           <a:p>
             <a:endParaRPr lang="en-US" dirty="0"/>
@@ -3113,6 +3123,200 @@
     <p:extLst>
       <p:ext uri="{BB962C8B-B14F-4D97-AF65-F5344CB8AC3E}">
         <p14:creationId xmlns:p14="http://schemas.microsoft.com/office/powerpoint/2010/main" val="2842144480"/>
+      </p:ext>
+    </p:extLst>
+  </p:cSld>
+  <p:clrMapOvr>
+    <a:masterClrMapping/>
+  </p:clrMapOvr>
+  <p:timing>
+    <p:tnLst>
+      <p:par>
+        <p:cTn id="1" dur="indefinite" restart="never" nodeType="tmRoot"/>
+      </p:par>
+    </p:tnLst>
+  </p:timing>
+</p:sld>
+</file>
+
+<file path=ppt/slides/slide2.xml><?xml version="1.0" encoding="utf-8"?>
+<p:sld xmlns:a="http://schemas.openxmlformats.org/drawingml/2006/main" xmlns:r="http://schemas.openxmlformats.org/officeDocument/2006/relationships" xmlns:p="http://schemas.openxmlformats.org/presentationml/2006/main">
+  <p:cSld>
+    <p:spTree>
+      <p:nvGrpSpPr>
+        <p:cNvPr id="1" name=""/>
+        <p:cNvGrpSpPr/>
+        <p:nvPr/>
+      </p:nvGrpSpPr>
+      <p:grpSpPr>
+        <a:xfrm>
+          <a:off x="0" y="0"/>
+          <a:ext cx="0" cy="0"/>
+          <a:chOff x="0" y="0"/>
+          <a:chExt cx="0" cy="0"/>
+        </a:xfrm>
+      </p:grpSpPr>
+      <p:sp>
+        <p:nvSpPr>
+          <p:cNvPr id="2" name="Title 1"/>
+          <p:cNvSpPr>
+            <a:spLocks noGrp="1"/>
+          </p:cNvSpPr>
+          <p:nvPr>
+            <p:ph type="title"/>
+          </p:nvPr>
+        </p:nvSpPr>
+        <p:spPr/>
+        <p:txBody>
+          <a:bodyPr/>
+          <a:lstStyle/>
+          <a:p>
+            <a:r>
+              <a:rPr lang="en-CA" dirty="0" smtClean="0"/>
+              <a:t>How Can You Separate This Mixture?</a:t>
+            </a:r>
+            <a:endParaRPr lang="en-US" dirty="0"/>
+          </a:p>
+        </p:txBody>
+      </p:sp>
+      <p:sp>
+        <p:nvSpPr>
+          <p:cNvPr id="3" name="Content Placeholder 2"/>
+          <p:cNvSpPr>
+            <a:spLocks noGrp="1"/>
+          </p:cNvSpPr>
+          <p:nvPr>
+            <p:ph idx="1"/>
+          </p:nvPr>
+        </p:nvSpPr>
+        <p:spPr/>
+        <p:txBody>
+          <a:bodyPr>
+            <a:normAutofit fontScale="92500" lnSpcReduction="20000"/>
+          </a:bodyPr>
+          <a:lstStyle/>
+          <a:p>
+            <a:pPr marL="514350" indent="-514350">
+              <a:buFont typeface="+mj-lt"/>
+              <a:buAutoNum type="arabicPeriod"/>
+            </a:pPr>
+            <a:r>
+              <a:rPr lang="en-CA" dirty="0" smtClean="0"/>
+              <a:t>Pure Substances </a:t>
+            </a:r>
+          </a:p>
+          <a:p>
+            <a:pPr marL="971550" lvl="1" indent="-514350">
+              <a:buFont typeface="+mj-lt"/>
+              <a:buAutoNum type="arabicPeriod"/>
+            </a:pPr>
+            <a:r>
+              <a:rPr lang="en-CA" dirty="0" smtClean="0"/>
+              <a:t>Corn Kernels</a:t>
+            </a:r>
+            <a:endParaRPr lang="en-CA" dirty="0" smtClean="0"/>
+          </a:p>
+          <a:p>
+            <a:pPr marL="971550" lvl="1" indent="-514350">
+              <a:buFont typeface="+mj-lt"/>
+              <a:buAutoNum type="arabicPeriod"/>
+            </a:pPr>
+            <a:r>
+              <a:rPr lang="en-CA" dirty="0" smtClean="0"/>
+              <a:t>Sugar</a:t>
+            </a:r>
+          </a:p>
+          <a:p>
+            <a:pPr marL="971550" lvl="1" indent="-514350">
+              <a:buFont typeface="+mj-lt"/>
+              <a:buAutoNum type="arabicPeriod"/>
+            </a:pPr>
+            <a:r>
+              <a:rPr lang="en-CA" dirty="0" smtClean="0"/>
+              <a:t>Iron Filings</a:t>
+            </a:r>
+          </a:p>
+          <a:p>
+            <a:pPr marL="514350" indent="-514350">
+              <a:buFont typeface="+mj-lt"/>
+              <a:buAutoNum type="arabicPeriod"/>
+            </a:pPr>
+            <a:endParaRPr lang="en-CA" dirty="0"/>
+          </a:p>
+          <a:p>
+            <a:pPr marL="514350" indent="-514350">
+              <a:buFont typeface="+mj-lt"/>
+              <a:buAutoNum type="arabicPeriod"/>
+            </a:pPr>
+            <a:r>
+              <a:rPr lang="en-CA" dirty="0" smtClean="0"/>
+              <a:t>Mixed All Together</a:t>
+            </a:r>
+          </a:p>
+          <a:p>
+            <a:pPr marL="514350" indent="-514350">
+              <a:buFont typeface="+mj-lt"/>
+              <a:buAutoNum type="arabicPeriod"/>
+            </a:pPr>
+            <a:endParaRPr lang="en-CA" dirty="0"/>
+          </a:p>
+          <a:p>
+            <a:pPr marL="514350" indent="-514350">
+              <a:buFont typeface="+mj-lt"/>
+              <a:buAutoNum type="arabicPeriod"/>
+            </a:pPr>
+            <a:r>
+              <a:rPr lang="en-CA" dirty="0" smtClean="0"/>
+              <a:t>Using only Materials</a:t>
+            </a:r>
+          </a:p>
+          <a:p>
+            <a:pPr marL="971550" lvl="1" indent="-514350">
+              <a:buFont typeface="+mj-lt"/>
+              <a:buAutoNum type="arabicPeriod"/>
+            </a:pPr>
+            <a:r>
+              <a:rPr lang="en-CA" dirty="0" smtClean="0"/>
+              <a:t>Beaker</a:t>
+            </a:r>
+          </a:p>
+          <a:p>
+            <a:pPr marL="971550" lvl="1" indent="-514350">
+              <a:buFont typeface="+mj-lt"/>
+              <a:buAutoNum type="arabicPeriod"/>
+            </a:pPr>
+            <a:r>
+              <a:rPr lang="en-CA" dirty="0" smtClean="0"/>
+              <a:t>Screen</a:t>
+            </a:r>
+          </a:p>
+          <a:p>
+            <a:pPr marL="971550" lvl="1" indent="-514350">
+              <a:buFont typeface="+mj-lt"/>
+              <a:buAutoNum type="arabicPeriod"/>
+            </a:pPr>
+            <a:r>
+              <a:rPr lang="en-CA" dirty="0" smtClean="0"/>
+              <a:t>Magnet</a:t>
+            </a:r>
+          </a:p>
+          <a:p>
+            <a:pPr marL="971550" lvl="1" indent="-514350">
+              <a:buFont typeface="+mj-lt"/>
+              <a:buAutoNum type="arabicPeriod"/>
+            </a:pPr>
+            <a:r>
+              <a:rPr lang="en-CA" dirty="0" smtClean="0"/>
+              <a:t>Water</a:t>
+            </a:r>
+            <a:endParaRPr lang="en-US" dirty="0"/>
+          </a:p>
+        </p:txBody>
+      </p:sp>
+    </p:spTree>
+    <p:extLst>
+      <p:ext uri="{BB962C8B-B14F-4D97-AF65-F5344CB8AC3E}">
+        <p14:creationId xmlns:p14="http://schemas.microsoft.com/office/powerpoint/2010/main" val="3588370808"/>
       </p:ext>
     </p:extLst>
   </p:cSld>
